--- a/docs/diagrams/EditUserStorySequenceDiagram.pptx
+++ b/docs/diagrams/EditUserStorySequenceDiagram.pptx
@@ -3926,7 +3926,7 @@
         </p:nvCxnSpPr>
         <p:spPr>
           <a:xfrm>
-            <a:off x="9576938" y="2434757"/>
+            <a:off x="9576333" y="2365149"/>
             <a:ext cx="0" cy="2968851"/>
           </a:xfrm>
           <a:prstGeom prst="line">
@@ -3963,7 +3963,7 @@
         </p:nvSpPr>
         <p:spPr>
           <a:xfrm>
-            <a:off x="9500738" y="2434757"/>
+            <a:off x="9500133" y="2365149"/>
             <a:ext cx="152400" cy="276003"/>
           </a:xfrm>
           <a:prstGeom prst="rect">
@@ -4077,15 +4077,13 @@
       <p:cxnSp>
         <p:nvCxnSpPr>
           <p:cNvPr id="28" name="Straight Arrow Connector 27"/>
-          <p:cNvCxnSpPr>
-            <a:cxnSpLocks/>
-          </p:cNvCxnSpPr>
+          <p:cNvCxnSpPr/>
           <p:nvPr/>
         </p:nvCxnSpPr>
         <p:spPr>
           <a:xfrm flipV="1">
-            <a:off x="4110365" y="1928868"/>
-            <a:ext cx="1443037" cy="1"/>
+            <a:off x="4121714" y="1516963"/>
+            <a:ext cx="922392" cy="1"/>
           </a:xfrm>
           <a:prstGeom prst="straightConnector1">
             <a:avLst/>
@@ -4120,7 +4118,7 @@
         </p:nvSpPr>
         <p:spPr>
           <a:xfrm>
-            <a:off x="2956228" y="3276492"/>
+            <a:off x="2976415" y="3334223"/>
             <a:ext cx="855809" cy="215444"/>
           </a:xfrm>
           <a:prstGeom prst="rect">
@@ -4160,7 +4158,7 @@
         </p:nvCxnSpPr>
         <p:spPr>
           <a:xfrm>
-            <a:off x="4128962" y="3076359"/>
+            <a:off x="4121714" y="3052260"/>
             <a:ext cx="1492974" cy="0"/>
           </a:xfrm>
           <a:prstGeom prst="straightConnector1">
@@ -4716,7 +4714,7 @@
         </p:nvSpPr>
         <p:spPr>
           <a:xfrm>
-            <a:off x="8795455" y="1866980"/>
+            <a:off x="8763000" y="1743288"/>
             <a:ext cx="1814890" cy="649601"/>
           </a:xfrm>
           <a:prstGeom prst="rect">
@@ -4794,7 +4792,7 @@
         </p:nvCxnSpPr>
         <p:spPr>
           <a:xfrm flipV="1">
-            <a:off x="1733545" y="3491936"/>
+            <a:off x="1753732" y="3549667"/>
             <a:ext cx="7736874" cy="14973"/>
           </a:xfrm>
           <a:prstGeom prst="straightConnector1">
@@ -4882,7 +4880,7 @@
         </p:nvCxnSpPr>
         <p:spPr>
           <a:xfrm>
-            <a:off x="1723614" y="5200084"/>
+            <a:off x="1743801" y="5105400"/>
             <a:ext cx="7746805" cy="0"/>
           </a:xfrm>
           <a:prstGeom prst="straightConnector1">
@@ -5296,8 +5294,8 @@
         </p:nvCxnSpPr>
         <p:spPr>
           <a:xfrm flipV="1">
-            <a:off x="5729471" y="2296231"/>
-            <a:ext cx="1726491" cy="3542"/>
+            <a:off x="5741569" y="1928867"/>
+            <a:ext cx="1174004" cy="3542"/>
           </a:xfrm>
           <a:prstGeom prst="straightConnector1">
             <a:avLst/>
@@ -5539,7 +5537,7 @@
         </p:nvCxnSpPr>
         <p:spPr>
           <a:xfrm flipV="1">
-            <a:off x="7621451" y="2385757"/>
+            <a:off x="7621451" y="2313434"/>
             <a:ext cx="1174004" cy="3542"/>
           </a:xfrm>
           <a:prstGeom prst="straightConnector1">
@@ -5578,12 +5576,13 @@
           </p:cNvPr>
           <p:cNvCxnSpPr>
             <a:cxnSpLocks/>
+            <a:stCxn id="55" idx="3"/>
           </p:cNvCxnSpPr>
           <p:nvPr/>
         </p:nvCxnSpPr>
         <p:spPr>
           <a:xfrm>
-            <a:off x="7625283" y="2673136"/>
+            <a:off x="7621451" y="2634126"/>
             <a:ext cx="1890499" cy="16756"/>
           </a:xfrm>
           <a:prstGeom prst="straightConnector1">

--- a/docs/diagrams/EditUserStorySequenceDiagram.pptx
+++ b/docs/diagrams/EditUserStorySequenceDiagram.pptx
@@ -208,7 +208,7 @@
           <a:p>
             <a:fld id="{F5CC4B3F-88C1-4FFA-B1B6-F41C21DC6924}" type="datetimeFigureOut">
               <a:rPr lang="en-US" smtClean="0"/>
-              <a:t>4/14/2019</a:t>
+              <a:t>4/15/2019</a:t>
             </a:fld>
             <a:endParaRPr lang="en-US"/>
           </a:p>
@@ -654,7 +654,7 @@
           <a:p>
             <a:fld id="{78C97017-6FC3-485B-9764-EAC9E56C1D49}" type="datetimeFigureOut">
               <a:rPr lang="en-US" smtClean="0"/>
-              <a:t>4/14/2019</a:t>
+              <a:t>4/15/2019</a:t>
             </a:fld>
             <a:endParaRPr lang="en-US"/>
           </a:p>
@@ -822,7 +822,7 @@
           <a:p>
             <a:fld id="{78C97017-6FC3-485B-9764-EAC9E56C1D49}" type="datetimeFigureOut">
               <a:rPr lang="en-US" smtClean="0"/>
-              <a:t>4/14/2019</a:t>
+              <a:t>4/15/2019</a:t>
             </a:fld>
             <a:endParaRPr lang="en-US"/>
           </a:p>
@@ -1000,7 +1000,7 @@
           <a:p>
             <a:fld id="{78C97017-6FC3-485B-9764-EAC9E56C1D49}" type="datetimeFigureOut">
               <a:rPr lang="en-US" smtClean="0"/>
-              <a:t>4/14/2019</a:t>
+              <a:t>4/15/2019</a:t>
             </a:fld>
             <a:endParaRPr lang="en-US"/>
           </a:p>
@@ -1168,7 +1168,7 @@
           <a:p>
             <a:fld id="{78C97017-6FC3-485B-9764-EAC9E56C1D49}" type="datetimeFigureOut">
               <a:rPr lang="en-US" smtClean="0"/>
-              <a:t>4/14/2019</a:t>
+              <a:t>4/15/2019</a:t>
             </a:fld>
             <a:endParaRPr lang="en-US"/>
           </a:p>
@@ -1413,7 +1413,7 @@
           <a:p>
             <a:fld id="{78C97017-6FC3-485B-9764-EAC9E56C1D49}" type="datetimeFigureOut">
               <a:rPr lang="en-US" smtClean="0"/>
-              <a:t>4/14/2019</a:t>
+              <a:t>4/15/2019</a:t>
             </a:fld>
             <a:endParaRPr lang="en-US"/>
           </a:p>
@@ -1698,7 +1698,7 @@
           <a:p>
             <a:fld id="{78C97017-6FC3-485B-9764-EAC9E56C1D49}" type="datetimeFigureOut">
               <a:rPr lang="en-US" smtClean="0"/>
-              <a:t>4/14/2019</a:t>
+              <a:t>4/15/2019</a:t>
             </a:fld>
             <a:endParaRPr lang="en-US"/>
           </a:p>
@@ -2117,7 +2117,7 @@
           <a:p>
             <a:fld id="{78C97017-6FC3-485B-9764-EAC9E56C1D49}" type="datetimeFigureOut">
               <a:rPr lang="en-US" smtClean="0"/>
-              <a:t>4/14/2019</a:t>
+              <a:t>4/15/2019</a:t>
             </a:fld>
             <a:endParaRPr lang="en-US"/>
           </a:p>
@@ -2234,7 +2234,7 @@
           <a:p>
             <a:fld id="{78C97017-6FC3-485B-9764-EAC9E56C1D49}" type="datetimeFigureOut">
               <a:rPr lang="en-US" smtClean="0"/>
-              <a:t>4/14/2019</a:t>
+              <a:t>4/15/2019</a:t>
             </a:fld>
             <a:endParaRPr lang="en-US"/>
           </a:p>
@@ -2329,7 +2329,7 @@
           <a:p>
             <a:fld id="{78C97017-6FC3-485B-9764-EAC9E56C1D49}" type="datetimeFigureOut">
               <a:rPr lang="en-US" smtClean="0"/>
-              <a:t>4/14/2019</a:t>
+              <a:t>4/15/2019</a:t>
             </a:fld>
             <a:endParaRPr lang="en-US"/>
           </a:p>
@@ -2604,7 +2604,7 @@
           <a:p>
             <a:fld id="{78C97017-6FC3-485B-9764-EAC9E56C1D49}" type="datetimeFigureOut">
               <a:rPr lang="en-US" smtClean="0"/>
-              <a:t>4/14/2019</a:t>
+              <a:t>4/15/2019</a:t>
             </a:fld>
             <a:endParaRPr lang="en-US"/>
           </a:p>
@@ -2856,7 +2856,7 @@
           <a:p>
             <a:fld id="{78C97017-6FC3-485B-9764-EAC9E56C1D49}" type="datetimeFigureOut">
               <a:rPr lang="en-US" smtClean="0"/>
-              <a:t>4/14/2019</a:t>
+              <a:t>4/15/2019</a:t>
             </a:fld>
             <a:endParaRPr lang="en-US"/>
           </a:p>
@@ -3067,7 +3067,7 @@
           <a:p>
             <a:fld id="{78C97017-6FC3-485B-9764-EAC9E56C1D49}" type="datetimeFigureOut">
               <a:rPr lang="en-US" smtClean="0"/>
-              <a:t>4/14/2019</a:t>
+              <a:t>4/15/2019</a:t>
             </a:fld>
             <a:endParaRPr lang="en-US"/>
           </a:p>
@@ -3442,6 +3442,67 @@
           <a:chExt cx="0" cy="0"/>
         </a:xfrm>
       </p:grpSpPr>
+      <p:sp>
+        <p:nvSpPr>
+          <p:cNvPr id="81" name="Rectangle 65"/>
+          <p:cNvSpPr/>
+          <p:nvPr/>
+        </p:nvSpPr>
+        <p:spPr>
+          <a:xfrm>
+            <a:off x="-806125" y="0"/>
+            <a:ext cx="13028772" cy="7987734"/>
+          </a:xfrm>
+          <a:prstGeom prst="roundRect">
+            <a:avLst>
+              <a:gd name="adj" fmla="val 3484"/>
+            </a:avLst>
+          </a:prstGeom>
+          <a:solidFill>
+            <a:schemeClr val="accent1">
+              <a:lumMod val="20000"/>
+              <a:lumOff val="80000"/>
+            </a:schemeClr>
+          </a:solidFill>
+          <a:ln w="19050">
+            <a:noFill/>
+          </a:ln>
+          <a:effectLst/>
+        </p:spPr>
+        <p:style>
+          <a:lnRef idx="1">
+            <a:schemeClr val="accent2"/>
+          </a:lnRef>
+          <a:fillRef idx="2">
+            <a:schemeClr val="accent2"/>
+          </a:fillRef>
+          <a:effectRef idx="1">
+            <a:schemeClr val="accent2"/>
+          </a:effectRef>
+          <a:fontRef idx="minor">
+            <a:schemeClr val="dk1"/>
+          </a:fontRef>
+        </p:style>
+        <p:txBody>
+          <a:bodyPr rtlCol="0" anchor="t"/>
+          <a:lstStyle/>
+          <a:p>
+            <a:r>
+              <a:rPr lang="en-US" sz="1200" b="1" dirty="0">
+                <a:solidFill>
+                  <a:srgbClr val="0070C0"/>
+                </a:solidFill>
+              </a:rPr>
+              <a:t>Logic</a:t>
+            </a:r>
+            <a:endParaRPr lang="en-SG" sz="1200" b="1" dirty="0">
+              <a:solidFill>
+                <a:srgbClr val="0070C0"/>
+              </a:solidFill>
+            </a:endParaRPr>
+          </a:p>
+        </p:txBody>
+      </p:sp>
       <p:cxnSp>
         <p:nvCxnSpPr>
           <p:cNvPr id="59" name="Straight Connector 58">
@@ -3458,7 +3519,7 @@
         </p:nvCxnSpPr>
         <p:spPr>
           <a:xfrm>
-            <a:off x="7540853" y="1578349"/>
+            <a:off x="9061995" y="2150966"/>
             <a:ext cx="0" cy="3908051"/>
           </a:xfrm>
           <a:prstGeom prst="line">
@@ -3495,8 +3556,8 @@
         </p:nvSpPr>
         <p:spPr>
           <a:xfrm>
-            <a:off x="10830934" y="32466"/>
-            <a:ext cx="3469479" cy="5834934"/>
+            <a:off x="12632942" y="-57670"/>
+            <a:ext cx="3469479" cy="7987733"/>
           </a:xfrm>
           <a:prstGeom prst="roundRect">
             <a:avLst>
@@ -3550,28 +3611,25 @@
       </p:sp>
       <p:sp>
         <p:nvSpPr>
-          <p:cNvPr id="81" name="Rectangle 65"/>
+          <p:cNvPr id="2" name="Rectangle 62"/>
           <p:cNvSpPr/>
           <p:nvPr/>
         </p:nvSpPr>
         <p:spPr>
           <a:xfrm>
-            <a:off x="-477541" y="0"/>
-            <a:ext cx="11120308" cy="5884244"/>
-          </a:xfrm>
-          <a:prstGeom prst="roundRect">
-            <a:avLst>
-              <a:gd name="adj" fmla="val 3484"/>
-            </a:avLst>
+            <a:off x="883144" y="149958"/>
+            <a:ext cx="1455629" cy="346760"/>
+          </a:xfrm>
+          <a:prstGeom prst="rect">
+            <a:avLst/>
           </a:prstGeom>
           <a:solidFill>
-            <a:schemeClr val="accent1">
-              <a:lumMod val="20000"/>
-              <a:lumOff val="80000"/>
-            </a:schemeClr>
+            <a:srgbClr val="0070C0"/>
           </a:solidFill>
           <a:ln w="19050">
-            <a:noFill/>
+            <a:solidFill>
+              <a:srgbClr val="0070C0"/>
+            </a:solidFill>
           </a:ln>
           <a:effectLst/>
         </p:spPr>
@@ -3590,35 +3648,123 @@
           </a:fontRef>
         </p:style>
         <p:txBody>
-          <a:bodyPr rtlCol="0" anchor="t"/>
+          <a:bodyPr rtlCol="0" anchor="ctr"/>
           <a:lstStyle/>
           <a:p>
-            <a:r>
-              <a:rPr lang="en-US" sz="1200" b="1" dirty="0">
+            <a:pPr algn="ctr"/>
+            <a:r>
+              <a:rPr lang="en-US" sz="1600" dirty="0">
                 <a:solidFill>
-                  <a:srgbClr val="0070C0"/>
+                  <a:schemeClr val="bg1"/>
                 </a:solidFill>
               </a:rPr>
-              <a:t>Logic</a:t>
-            </a:r>
-            <a:endParaRPr lang="en-SG" sz="1200" b="1" dirty="0">
+              <a:t>:LogicManager</a:t>
+            </a:r>
+            <a:endParaRPr lang="en-SG" sz="1600" dirty="0">
               <a:solidFill>
-                <a:srgbClr val="0070C0"/>
+                <a:schemeClr val="bg1"/>
               </a:solidFill>
             </a:endParaRPr>
           </a:p>
         </p:txBody>
       </p:sp>
-      <p:sp>
-        <p:nvSpPr>
-          <p:cNvPr id="2" name="Rectangle 62"/>
+      <p:cxnSp>
+        <p:nvCxnSpPr>
+          <p:cNvPr id="5" name="Straight Connector 4"/>
+          <p:cNvCxnSpPr>
+            <a:cxnSpLocks/>
+            <a:stCxn id="2" idx="2"/>
+          </p:cNvCxnSpPr>
+          <p:nvPr/>
+        </p:nvCxnSpPr>
+        <p:spPr>
+          <a:xfrm>
+            <a:off x="1610959" y="496718"/>
+            <a:ext cx="6794" cy="7580482"/>
+          </a:xfrm>
+          <a:prstGeom prst="line">
+            <a:avLst/>
+          </a:prstGeom>
+          <a:ln w="19050">
+            <a:solidFill>
+              <a:srgbClr val="0070C0"/>
+            </a:solidFill>
+            <a:prstDash val="sysDash"/>
+          </a:ln>
+          <a:effectLst/>
+        </p:spPr>
+        <p:style>
+          <a:lnRef idx="1">
+            <a:schemeClr val="accent1"/>
+          </a:lnRef>
+          <a:fillRef idx="2">
+            <a:schemeClr val="accent1"/>
+          </a:fillRef>
+          <a:effectRef idx="1">
+            <a:schemeClr val="accent1"/>
+          </a:effectRef>
+          <a:fontRef idx="minor">
+            <a:schemeClr val="dk1"/>
+          </a:fontRef>
+        </p:style>
+      </p:cxnSp>
+      <p:sp>
+        <p:nvSpPr>
+          <p:cNvPr id="6" name="Rectangle 5"/>
           <p:cNvSpPr/>
           <p:nvPr/>
         </p:nvSpPr>
         <p:spPr>
           <a:xfrm>
-            <a:off x="883144" y="149958"/>
-            <a:ext cx="1455629" cy="346760"/>
+            <a:off x="1538951" y="1258310"/>
+            <a:ext cx="194260" cy="6514090"/>
+          </a:xfrm>
+          <a:prstGeom prst="rect">
+            <a:avLst/>
+          </a:prstGeom>
+          <a:solidFill>
+            <a:srgbClr val="0070C0"/>
+          </a:solidFill>
+          <a:ln>
+            <a:solidFill>
+              <a:srgbClr val="0070C0"/>
+            </a:solidFill>
+          </a:ln>
+          <a:effectLst/>
+        </p:spPr>
+        <p:style>
+          <a:lnRef idx="1">
+            <a:schemeClr val="accent3"/>
+          </a:lnRef>
+          <a:fillRef idx="2">
+            <a:schemeClr val="accent3"/>
+          </a:fillRef>
+          <a:effectRef idx="1">
+            <a:schemeClr val="accent3"/>
+          </a:effectRef>
+          <a:fontRef idx="minor">
+            <a:schemeClr val="dk1"/>
+          </a:fontRef>
+        </p:style>
+        <p:txBody>
+          <a:bodyPr rtlCol="0" anchor="ctr"/>
+          <a:lstStyle/>
+          <a:p>
+            <a:pPr algn="ctr"/>
+            <a:endParaRPr lang="en-SG" sz="1400"/>
+          </a:p>
+        </p:txBody>
+      </p:sp>
+      <p:sp>
+        <p:nvSpPr>
+          <p:cNvPr id="16" name="Rectangle 62"/>
+          <p:cNvSpPr/>
+          <p:nvPr/>
+        </p:nvSpPr>
+        <p:spPr>
+          <a:xfrm>
+            <a:off x="3410209" y="149958"/>
+            <a:ext cx="1455625" cy="467684"/>
           </a:xfrm>
           <a:prstGeom prst="rect">
             <a:avLst/>
@@ -3658,7 +3804,18 @@
                   <a:schemeClr val="bg1"/>
                 </a:solidFill>
               </a:rPr>
-              <a:t>:LogicManager</a:t>
+              <a:t>:PocketProject</a:t>
+            </a:r>
+          </a:p>
+          <a:p>
+            <a:pPr algn="ctr"/>
+            <a:r>
+              <a:rPr lang="en-US" sz="1600" dirty="0">
+                <a:solidFill>
+                  <a:schemeClr val="bg1"/>
+                </a:solidFill>
+              </a:rPr>
+              <a:t>Parser</a:t>
             </a:r>
             <a:endParaRPr lang="en-SG" sz="1600" dirty="0">
               <a:solidFill>
@@ -3670,17 +3827,16 @@
       </p:sp>
       <p:cxnSp>
         <p:nvCxnSpPr>
-          <p:cNvPr id="5" name="Straight Connector 4"/>
+          <p:cNvPr id="17" name="Straight Connector 16"/>
           <p:cNvCxnSpPr>
             <a:cxnSpLocks/>
-            <a:stCxn id="2" idx="2"/>
           </p:cNvCxnSpPr>
           <p:nvPr/>
         </p:nvCxnSpPr>
         <p:spPr>
           <a:xfrm flipH="1">
-            <a:off x="1610958" y="496718"/>
-            <a:ext cx="1" cy="5370682"/>
+            <a:off x="4014687" y="617642"/>
+            <a:ext cx="7775" cy="3649558"/>
           </a:xfrm>
           <a:prstGeom prst="line">
             <a:avLst/>
@@ -3710,14 +3866,14 @@
       </p:cxnSp>
       <p:sp>
         <p:nvSpPr>
-          <p:cNvPr id="6" name="Rectangle 5"/>
+          <p:cNvPr id="18" name="Rectangle 17"/>
           <p:cNvSpPr/>
           <p:nvPr/>
         </p:nvSpPr>
         <p:spPr>
           <a:xfrm>
-            <a:off x="1538950" y="1258310"/>
-            <a:ext cx="184463" cy="4075689"/>
+            <a:off x="3957272" y="1365808"/>
+            <a:ext cx="171690" cy="2520391"/>
           </a:xfrm>
           <a:prstGeom prst="rect">
             <a:avLst/>
@@ -3751,75 +3907,9 @@
           <a:lstStyle/>
           <a:p>
             <a:pPr algn="ctr"/>
-            <a:endParaRPr lang="en-SG" sz="1400"/>
-          </a:p>
-        </p:txBody>
-      </p:sp>
-      <p:sp>
-        <p:nvSpPr>
-          <p:cNvPr id="16" name="Rectangle 62"/>
-          <p:cNvSpPr/>
-          <p:nvPr/>
-        </p:nvSpPr>
-        <p:spPr>
-          <a:xfrm>
-            <a:off x="3410209" y="149958"/>
-            <a:ext cx="1455625" cy="467684"/>
-          </a:xfrm>
-          <a:prstGeom prst="rect">
-            <a:avLst/>
-          </a:prstGeom>
-          <a:solidFill>
-            <a:srgbClr val="0070C0"/>
-          </a:solidFill>
-          <a:ln w="19050">
-            <a:solidFill>
-              <a:srgbClr val="0070C0"/>
-            </a:solidFill>
-          </a:ln>
-          <a:effectLst/>
-        </p:spPr>
-        <p:style>
-          <a:lnRef idx="1">
-            <a:schemeClr val="accent2"/>
-          </a:lnRef>
-          <a:fillRef idx="2">
-            <a:schemeClr val="accent2"/>
-          </a:fillRef>
-          <a:effectRef idx="1">
-            <a:schemeClr val="accent2"/>
-          </a:effectRef>
-          <a:fontRef idx="minor">
-            <a:schemeClr val="dk1"/>
-          </a:fontRef>
-        </p:style>
-        <p:txBody>
-          <a:bodyPr rtlCol="0" anchor="ctr"/>
-          <a:lstStyle/>
-          <a:p>
-            <a:pPr algn="ctr"/>
-            <a:r>
-              <a:rPr lang="en-US" sz="1600" dirty="0">
-                <a:solidFill>
-                  <a:schemeClr val="bg1"/>
-                </a:solidFill>
-              </a:rPr>
-              <a:t>:PocketProject</a:t>
-            </a:r>
-          </a:p>
-          <a:p>
-            <a:pPr algn="ctr"/>
-            <a:r>
-              <a:rPr lang="en-US" sz="1600" dirty="0">
-                <a:solidFill>
-                  <a:schemeClr val="bg1"/>
-                </a:solidFill>
-              </a:rPr>
-              <a:t>Parser</a:t>
-            </a:r>
-            <a:endParaRPr lang="en-SG" sz="1600" dirty="0">
+            <a:endParaRPr lang="en-SG" sz="1400">
               <a:solidFill>
-                <a:schemeClr val="bg1"/>
+                <a:schemeClr val="dk1"/>
               </a:solidFill>
             </a:endParaRPr>
           </a:p>
@@ -3827,16 +3917,17 @@
       </p:sp>
       <p:cxnSp>
         <p:nvCxnSpPr>
-          <p:cNvPr id="17" name="Straight Connector 16"/>
+          <p:cNvPr id="20" name="Straight Connector 19"/>
           <p:cNvCxnSpPr>
             <a:cxnSpLocks/>
+            <a:stCxn id="21" idx="0"/>
           </p:cNvCxnSpPr>
           <p:nvPr/>
         </p:nvCxnSpPr>
         <p:spPr>
           <a:xfrm>
-            <a:off x="4022462" y="617642"/>
-            <a:ext cx="28125" cy="3166419"/>
+            <a:off x="11100333" y="3288861"/>
+            <a:ext cx="0" cy="4264251"/>
           </a:xfrm>
           <a:prstGeom prst="line">
             <a:avLst/>
@@ -3866,14 +3957,14 @@
       </p:cxnSp>
       <p:sp>
         <p:nvSpPr>
-          <p:cNvPr id="18" name="Rectangle 17"/>
+          <p:cNvPr id="21" name="Rectangle 20"/>
           <p:cNvSpPr/>
           <p:nvPr/>
         </p:nvSpPr>
         <p:spPr>
           <a:xfrm>
-            <a:off x="3957272" y="1365809"/>
-            <a:ext cx="171690" cy="1762448"/>
+            <a:off x="11024133" y="3288861"/>
+            <a:ext cx="152400" cy="276003"/>
           </a:xfrm>
           <a:prstGeom prst="rect">
             <a:avLst/>
@@ -3907,97 +3998,6 @@
           <a:lstStyle/>
           <a:p>
             <a:pPr algn="ctr"/>
-            <a:endParaRPr lang="en-SG" sz="1400">
-              <a:solidFill>
-                <a:schemeClr val="dk1"/>
-              </a:solidFill>
-            </a:endParaRPr>
-          </a:p>
-        </p:txBody>
-      </p:sp>
-      <p:cxnSp>
-        <p:nvCxnSpPr>
-          <p:cNvPr id="20" name="Straight Connector 19"/>
-          <p:cNvCxnSpPr>
-            <a:cxnSpLocks/>
-            <a:stCxn id="21" idx="0"/>
-          </p:cNvCxnSpPr>
-          <p:nvPr/>
-        </p:nvCxnSpPr>
-        <p:spPr>
-          <a:xfrm>
-            <a:off x="9576333" y="2365149"/>
-            <a:ext cx="0" cy="2968851"/>
-          </a:xfrm>
-          <a:prstGeom prst="line">
-            <a:avLst/>
-          </a:prstGeom>
-          <a:ln w="19050">
-            <a:solidFill>
-              <a:srgbClr val="0070C0"/>
-            </a:solidFill>
-            <a:prstDash val="sysDash"/>
-          </a:ln>
-          <a:effectLst/>
-        </p:spPr>
-        <p:style>
-          <a:lnRef idx="1">
-            <a:schemeClr val="accent1"/>
-          </a:lnRef>
-          <a:fillRef idx="2">
-            <a:schemeClr val="accent1"/>
-          </a:fillRef>
-          <a:effectRef idx="1">
-            <a:schemeClr val="accent1"/>
-          </a:effectRef>
-          <a:fontRef idx="minor">
-            <a:schemeClr val="dk1"/>
-          </a:fontRef>
-        </p:style>
-      </p:cxnSp>
-      <p:sp>
-        <p:nvSpPr>
-          <p:cNvPr id="21" name="Rectangle 20"/>
-          <p:cNvSpPr/>
-          <p:nvPr/>
-        </p:nvSpPr>
-        <p:spPr>
-          <a:xfrm>
-            <a:off x="9500133" y="2365149"/>
-            <a:ext cx="152400" cy="276003"/>
-          </a:xfrm>
-          <a:prstGeom prst="rect">
-            <a:avLst/>
-          </a:prstGeom>
-          <a:solidFill>
-            <a:srgbClr val="0070C0"/>
-          </a:solidFill>
-          <a:ln>
-            <a:solidFill>
-              <a:srgbClr val="0070C0"/>
-            </a:solidFill>
-          </a:ln>
-          <a:effectLst/>
-        </p:spPr>
-        <p:style>
-          <a:lnRef idx="1">
-            <a:schemeClr val="accent3"/>
-          </a:lnRef>
-          <a:fillRef idx="2">
-            <a:schemeClr val="accent3"/>
-          </a:fillRef>
-          <a:effectRef idx="1">
-            <a:schemeClr val="accent3"/>
-          </a:effectRef>
-          <a:fontRef idx="minor">
-            <a:schemeClr val="dk1"/>
-          </a:fontRef>
-        </p:style>
-        <p:txBody>
-          <a:bodyPr rtlCol="0" anchor="ctr"/>
-          <a:lstStyle/>
-          <a:p>
-            <a:pPr algn="ctr"/>
             <a:endParaRPr lang="en-SG" sz="1400"/>
           </a:p>
         </p:txBody>
@@ -4077,13 +4077,15 @@
       <p:cxnSp>
         <p:nvCxnSpPr>
           <p:cNvPr id="28" name="Straight Arrow Connector 27"/>
-          <p:cNvCxnSpPr/>
+          <p:cNvCxnSpPr>
+            <a:cxnSpLocks/>
+          </p:cNvCxnSpPr>
           <p:nvPr/>
         </p:nvCxnSpPr>
         <p:spPr>
           <a:xfrm flipV="1">
-            <a:off x="4121714" y="1516963"/>
-            <a:ext cx="922392" cy="1"/>
+            <a:off x="4121714" y="1495000"/>
+            <a:ext cx="1974286" cy="21965"/>
           </a:xfrm>
           <a:prstGeom prst="straightConnector1">
             <a:avLst/>
@@ -4118,7 +4120,7 @@
         </p:nvSpPr>
         <p:spPr>
           <a:xfrm>
-            <a:off x="2976415" y="3334223"/>
+            <a:off x="4873075" y="4330573"/>
             <a:ext cx="855809" cy="215444"/>
           </a:xfrm>
           <a:prstGeom prst="rect">
@@ -4153,13 +4155,15 @@
       <p:cxnSp>
         <p:nvCxnSpPr>
           <p:cNvPr id="34" name="Straight Arrow Connector 33"/>
-          <p:cNvCxnSpPr/>
+          <p:cNvCxnSpPr>
+            <a:cxnSpLocks/>
+          </p:cNvCxnSpPr>
           <p:nvPr/>
         </p:nvCxnSpPr>
         <p:spPr>
           <a:xfrm>
-            <a:off x="4121714" y="3052260"/>
-            <a:ext cx="1492974" cy="0"/>
+            <a:off x="4121714" y="3785526"/>
+            <a:ext cx="2552860" cy="24474"/>
           </a:xfrm>
           <a:prstGeom prst="straightConnector1">
             <a:avLst/>
@@ -4198,7 +4202,7 @@
         </p:nvCxnSpPr>
         <p:spPr>
           <a:xfrm>
-            <a:off x="1674395" y="3128257"/>
+            <a:off x="1674395" y="3886200"/>
             <a:ext cx="2348067" cy="0"/>
           </a:xfrm>
           <a:prstGeom prst="straightConnector1">
@@ -4238,7 +4242,7 @@
         </p:nvCxnSpPr>
         <p:spPr>
           <a:xfrm flipV="1">
-            <a:off x="0" y="5251787"/>
+            <a:off x="0" y="7690187"/>
             <a:ext cx="1514394" cy="6013"/>
           </a:xfrm>
           <a:prstGeom prst="straightConnector1">
@@ -4276,8 +4280,8 @@
         </p:nvSpPr>
         <p:spPr>
           <a:xfrm>
-            <a:off x="9500738" y="3482829"/>
-            <a:ext cx="176145" cy="1735704"/>
+            <a:off x="11049000" y="4549628"/>
+            <a:ext cx="176118" cy="2917965"/>
           </a:xfrm>
           <a:prstGeom prst="rect">
             <a:avLst/>
@@ -4364,7 +4368,7 @@
         </p:nvSpPr>
         <p:spPr>
           <a:xfrm>
-            <a:off x="3626073" y="4771417"/>
+            <a:off x="4898367" y="7162028"/>
             <a:ext cx="621216" cy="215444"/>
           </a:xfrm>
           <a:prstGeom prst="rect">
@@ -4404,7 +4408,7 @@
         </p:nvSpPr>
         <p:spPr>
           <a:xfrm>
-            <a:off x="288853" y="4986261"/>
+            <a:off x="288853" y="7424661"/>
             <a:ext cx="762000" cy="215444"/>
           </a:xfrm>
           <a:prstGeom prst="rect">
@@ -4438,60 +4442,13 @@
       </p:sp>
       <p:sp>
         <p:nvSpPr>
-          <p:cNvPr id="86" name="Rectangle 85"/>
-          <p:cNvSpPr/>
-          <p:nvPr/>
-        </p:nvSpPr>
-        <p:spPr>
-          <a:xfrm>
-            <a:off x="11656776" y="3876394"/>
-            <a:ext cx="129933" cy="398562"/>
-          </a:xfrm>
-          <a:prstGeom prst="rect">
-            <a:avLst/>
-          </a:prstGeom>
-          <a:solidFill>
-            <a:srgbClr val="7030A0"/>
-          </a:solidFill>
-          <a:ln>
-            <a:solidFill>
-              <a:srgbClr val="7030A0"/>
-            </a:solidFill>
-          </a:ln>
-          <a:effectLst/>
-        </p:spPr>
-        <p:style>
-          <a:lnRef idx="1">
-            <a:schemeClr val="accent3"/>
-          </a:lnRef>
-          <a:fillRef idx="2">
-            <a:schemeClr val="accent3"/>
-          </a:fillRef>
-          <a:effectRef idx="1">
-            <a:schemeClr val="accent3"/>
-          </a:effectRef>
-          <a:fontRef idx="minor">
-            <a:schemeClr val="dk1"/>
-          </a:fontRef>
-        </p:style>
-        <p:txBody>
-          <a:bodyPr rtlCol="0" anchor="ctr"/>
-          <a:lstStyle/>
-          <a:p>
-            <a:pPr algn="ctr"/>
-            <a:endParaRPr lang="en-SG" sz="1400"/>
-          </a:p>
-        </p:txBody>
-      </p:sp>
-      <p:sp>
-        <p:nvSpPr>
           <p:cNvPr id="93" name="TextBox 92"/>
           <p:cNvSpPr txBox="1"/>
           <p:nvPr/>
         </p:nvSpPr>
         <p:spPr>
           <a:xfrm>
-            <a:off x="2345183" y="2869437"/>
+            <a:off x="2345183" y="3627380"/>
             <a:ext cx="925413" cy="215444"/>
           </a:xfrm>
           <a:prstGeom prst="rect">
@@ -4531,7 +4488,7 @@
         </p:nvSpPr>
         <p:spPr>
           <a:xfrm>
-            <a:off x="11147950" y="3078584"/>
+            <a:off x="13460840" y="4171884"/>
             <a:ext cx="841636" cy="300180"/>
           </a:xfrm>
           <a:prstGeom prst="rect">
@@ -4591,9 +4548,9 @@
           <p:nvPr/>
         </p:nvCxnSpPr>
         <p:spPr>
-          <a:xfrm flipH="1">
-            <a:off x="11584676" y="3369690"/>
-            <a:ext cx="3959" cy="1735710"/>
+          <a:xfrm>
+            <a:off x="13898898" y="4436490"/>
+            <a:ext cx="77572" cy="3335910"/>
           </a:xfrm>
           <a:prstGeom prst="line">
             <a:avLst/>
@@ -4629,8 +4586,8 @@
         </p:nvSpPr>
         <p:spPr>
           <a:xfrm>
-            <a:off x="11524674" y="3674490"/>
-            <a:ext cx="129933" cy="1278508"/>
+            <a:off x="13834936" y="4741290"/>
+            <a:ext cx="189071" cy="528457"/>
           </a:xfrm>
           <a:prstGeom prst="rect">
             <a:avLst/>
@@ -4677,9 +4634,9 @@
           <p:nvPr/>
         </p:nvCxnSpPr>
         <p:spPr>
-          <a:xfrm>
-            <a:off x="9660006" y="3726860"/>
-            <a:ext cx="1864668" cy="0"/>
+          <a:xfrm flipV="1">
+            <a:off x="11235277" y="4736350"/>
+            <a:ext cx="2589527" cy="14358"/>
           </a:xfrm>
           <a:prstGeom prst="straightConnector1">
             <a:avLst/>
@@ -4714,7 +4671,7 @@
         </p:nvSpPr>
         <p:spPr>
           <a:xfrm>
-            <a:off x="8763000" y="1743288"/>
+            <a:off x="10287000" y="2667000"/>
             <a:ext cx="1814890" cy="649601"/>
           </a:xfrm>
           <a:prstGeom prst="rect">
@@ -4791,9 +4748,9 @@
           <p:nvPr/>
         </p:nvCxnSpPr>
         <p:spPr>
-          <a:xfrm flipV="1">
-            <a:off x="1753732" y="3549667"/>
-            <a:ext cx="7736874" cy="14973"/>
+          <a:xfrm>
+            <a:off x="1782320" y="4562168"/>
+            <a:ext cx="9235466" cy="0"/>
           </a:xfrm>
           <a:prstGeom prst="straightConnector1">
             <a:avLst/>
@@ -4880,8 +4837,8 @@
         </p:nvCxnSpPr>
         <p:spPr>
           <a:xfrm>
-            <a:off x="1743801" y="5105400"/>
-            <a:ext cx="7746805" cy="0"/>
+            <a:off x="1765145" y="7467600"/>
+            <a:ext cx="9252641" cy="0"/>
           </a:xfrm>
           <a:prstGeom prst="straightConnector1">
             <a:avLst/>
@@ -4918,7 +4875,7 @@
         </p:nvSpPr>
         <p:spPr>
           <a:xfrm>
-            <a:off x="12025361" y="3505553"/>
+            <a:off x="11635138" y="4514953"/>
             <a:ext cx="1843039" cy="184666"/>
           </a:xfrm>
           <a:prstGeom prst="rect">
@@ -4948,62 +4905,12 @@
           <a:p>
             <a:pPr algn="ctr"/>
             <a:r>
-              <a:rPr lang="en-US" sz="1200" dirty="0">
-                <a:solidFill>
-                  <a:srgbClr val="7030A0"/>
-                </a:solidFill>
-              </a:rPr>
+              <a:rPr lang="en-US" sz="1200" dirty="0"/>
               <a:t>getProjectWithName(project)</a:t>
             </a:r>
-            <a:endParaRPr lang="en-US" sz="1200" dirty="0">
-              <a:solidFill>
-                <a:schemeClr val="accent4">
-                  <a:lumMod val="75000"/>
-                </a:schemeClr>
-              </a:solidFill>
-            </a:endParaRPr>
-          </a:p>
-        </p:txBody>
-      </p:sp>
-      <p:cxnSp>
-        <p:nvCxnSpPr>
-          <p:cNvPr id="13" name="Curved Connector 12"/>
-          <p:cNvCxnSpPr/>
-          <p:nvPr/>
-        </p:nvCxnSpPr>
-        <p:spPr>
-          <a:xfrm rot="16200000" flipH="1">
-            <a:off x="11634449" y="3824423"/>
-            <a:ext cx="156923" cy="76200"/>
-          </a:xfrm>
-          <a:prstGeom prst="curvedConnector4">
-            <a:avLst>
-              <a:gd name="adj1" fmla="val -145677"/>
-              <a:gd name="adj2" fmla="val 400000"/>
-            </a:avLst>
-          </a:prstGeom>
-          <a:ln>
-            <a:solidFill>
-              <a:srgbClr val="7030A0"/>
-            </a:solidFill>
-            <a:tailEnd type="triangle"/>
-          </a:ln>
-        </p:spPr>
-        <p:style>
-          <a:lnRef idx="1">
-            <a:schemeClr val="accent1"/>
-          </a:lnRef>
-          <a:fillRef idx="0">
-            <a:schemeClr val="accent1"/>
-          </a:fillRef>
-          <a:effectRef idx="0">
-            <a:schemeClr val="accent1"/>
-          </a:effectRef>
-          <a:fontRef idx="minor">
-            <a:schemeClr val="tx1"/>
-          </a:fontRef>
-        </p:style>
-      </p:cxnSp>
+          </a:p>
+        </p:txBody>
+      </p:sp>
       <p:cxnSp>
         <p:nvCxnSpPr>
           <p:cNvPr id="63" name="Straight Arrow Connector 62">
@@ -5015,14 +4922,13 @@
           </p:cNvPr>
           <p:cNvCxnSpPr>
             <a:cxnSpLocks/>
-            <a:endCxn id="49" idx="2"/>
           </p:cNvCxnSpPr>
           <p:nvPr/>
         </p:nvCxnSpPr>
         <p:spPr>
           <a:xfrm>
-            <a:off x="9676883" y="4952998"/>
-            <a:ext cx="1912758" cy="0"/>
+            <a:off x="11188979" y="5269750"/>
+            <a:ext cx="2635825" cy="0"/>
           </a:xfrm>
           <a:prstGeom prst="straightConnector1">
             <a:avLst/>
@@ -5065,7 +4971,7 @@
         </p:nvSpPr>
         <p:spPr>
           <a:xfrm>
-            <a:off x="5589169" y="1524417"/>
+            <a:off x="6630851" y="1524417"/>
             <a:ext cx="152400" cy="276003"/>
           </a:xfrm>
           <a:prstGeom prst="rect">
@@ -5118,7 +5024,7 @@
         </p:nvSpPr>
         <p:spPr>
           <a:xfrm>
-            <a:off x="5054318" y="973756"/>
+            <a:off x="6096000" y="973756"/>
             <a:ext cx="1406588" cy="675353"/>
           </a:xfrm>
           <a:prstGeom prst="rect">
@@ -5196,7 +5102,7 @@
         </p:nvCxnSpPr>
         <p:spPr>
           <a:xfrm>
-            <a:off x="5665369" y="1565290"/>
+            <a:off x="6707051" y="1565290"/>
             <a:ext cx="0" cy="3768710"/>
           </a:xfrm>
           <a:prstGeom prst="line">
@@ -5239,8 +5145,8 @@
         </p:nvSpPr>
         <p:spPr>
           <a:xfrm>
-            <a:off x="5577511" y="1911884"/>
-            <a:ext cx="145432" cy="1172997"/>
+            <a:off x="6610137" y="2272571"/>
+            <a:ext cx="176117" cy="1546797"/>
           </a:xfrm>
           <a:prstGeom prst="rect">
             <a:avLst/>
@@ -5294,8 +5200,8 @@
         </p:nvCxnSpPr>
         <p:spPr>
           <a:xfrm flipV="1">
-            <a:off x="5741569" y="1928867"/>
-            <a:ext cx="1174004" cy="3542"/>
+            <a:off x="6803743" y="2354721"/>
+            <a:ext cx="1664189" cy="3635"/>
           </a:xfrm>
           <a:prstGeom prst="straightConnector1">
             <a:avLst/>
@@ -5339,8 +5245,8 @@
         </p:nvCxnSpPr>
         <p:spPr>
           <a:xfrm>
-            <a:off x="5722943" y="2946896"/>
-            <a:ext cx="1816479" cy="24904"/>
+            <a:off x="6820693" y="3683908"/>
+            <a:ext cx="2252644" cy="0"/>
           </a:xfrm>
           <a:prstGeom prst="straightConnector1">
             <a:avLst/>
@@ -5383,7 +5289,7 @@
         </p:nvSpPr>
         <p:spPr>
           <a:xfrm>
-            <a:off x="4283562" y="2812342"/>
+            <a:off x="4849789" y="3598561"/>
             <a:ext cx="925413" cy="215444"/>
           </a:xfrm>
           <a:prstGeom prst="rect">
@@ -5429,7 +5335,7 @@
         </p:nvSpPr>
         <p:spPr>
           <a:xfrm>
-            <a:off x="7469051" y="1908984"/>
+            <a:off x="8993051" y="2379461"/>
             <a:ext cx="152400" cy="276003"/>
           </a:xfrm>
           <a:prstGeom prst="rect">
@@ -5482,8 +5388,8 @@
         </p:nvSpPr>
         <p:spPr>
           <a:xfrm>
-            <a:off x="7457392" y="2296451"/>
-            <a:ext cx="164059" cy="675349"/>
+            <a:off x="8995994" y="2974661"/>
+            <a:ext cx="154685" cy="709247"/>
           </a:xfrm>
           <a:prstGeom prst="rect">
             <a:avLst/>
@@ -5537,7 +5443,7 @@
         </p:nvCxnSpPr>
         <p:spPr>
           <a:xfrm flipV="1">
-            <a:off x="7621451" y="2313434"/>
+            <a:off x="9122392" y="3219811"/>
             <a:ext cx="1174004" cy="3542"/>
           </a:xfrm>
           <a:prstGeom prst="straightConnector1">
@@ -5576,14 +5482,13 @@
           </p:cNvPr>
           <p:cNvCxnSpPr>
             <a:cxnSpLocks/>
-            <a:stCxn id="55" idx="3"/>
           </p:cNvCxnSpPr>
           <p:nvPr/>
         </p:nvCxnSpPr>
         <p:spPr>
           <a:xfrm>
-            <a:off x="7621451" y="2634126"/>
-            <a:ext cx="1890499" cy="16756"/>
+            <a:off x="9099354" y="3557112"/>
+            <a:ext cx="2000979" cy="0"/>
           </a:xfrm>
           <a:prstGeom prst="straightConnector1">
             <a:avLst/>
@@ -5626,7 +5531,7 @@
         </p:nvSpPr>
         <p:spPr>
           <a:xfrm>
-            <a:off x="6027542" y="2710760"/>
+            <a:off x="7364427" y="3481166"/>
             <a:ext cx="925413" cy="215444"/>
           </a:xfrm>
           <a:prstGeom prst="rect">
@@ -5672,8 +5577,8 @@
         </p:nvSpPr>
         <p:spPr>
           <a:xfrm>
-            <a:off x="12072174" y="4078842"/>
-            <a:ext cx="1748355" cy="369332"/>
+            <a:off x="11588288" y="5041494"/>
+            <a:ext cx="1748355" cy="184666"/>
           </a:xfrm>
           <a:prstGeom prst="rect">
             <a:avLst/>
@@ -5707,7 +5612,7 @@
                   <a:srgbClr val="7030A0"/>
                 </a:solidFill>
               </a:rPr>
-              <a:t>setUserStory(storyToEdit, editedStory)</a:t>
+              <a:t>project</a:t>
             </a:r>
             <a:endParaRPr lang="en-US" sz="1200" dirty="0">
               <a:solidFill>
@@ -5721,10 +5626,10 @@
       </p:sp>
       <p:sp>
         <p:nvSpPr>
-          <p:cNvPr id="62" name="Rectangle 61">
+          <p:cNvPr id="54" name="Rectangle 62">
             <a:extLst>
               <a:ext uri="{FF2B5EF4-FFF2-40B4-BE49-F238E27FC236}">
-                <a16:creationId xmlns:a16="http://schemas.microsoft.com/office/drawing/2014/main" id="{5DEE822C-0464-4ED3-9452-283EB26BFA05}"/>
+                <a16:creationId xmlns:a16="http://schemas.microsoft.com/office/drawing/2014/main" id="{D2E54CC4-1A1C-4F7B-9410-78A436674CD2}"/>
               </a:ext>
             </a:extLst>
           </p:cNvPr>
@@ -5733,8 +5638,84 @@
         </p:nvSpPr>
         <p:spPr>
           <a:xfrm>
-            <a:off x="11656775" y="4425990"/>
-            <a:ext cx="129933" cy="398562"/>
+            <a:off x="8458200" y="1828800"/>
+            <a:ext cx="1160571" cy="675353"/>
+          </a:xfrm>
+          <a:prstGeom prst="rect">
+            <a:avLst/>
+          </a:prstGeom>
+          <a:solidFill>
+            <a:srgbClr val="0070C0"/>
+          </a:solidFill>
+          <a:ln w="19050">
+            <a:solidFill>
+              <a:srgbClr val="0070C0"/>
+            </a:solidFill>
+          </a:ln>
+          <a:effectLst/>
+        </p:spPr>
+        <p:style>
+          <a:lnRef idx="1">
+            <a:schemeClr val="accent2"/>
+          </a:lnRef>
+          <a:fillRef idx="2">
+            <a:schemeClr val="accent2"/>
+          </a:fillRef>
+          <a:effectRef idx="1">
+            <a:schemeClr val="accent2"/>
+          </a:effectRef>
+          <a:fontRef idx="minor">
+            <a:schemeClr val="dk1"/>
+          </a:fontRef>
+        </p:style>
+        <p:txBody>
+          <a:bodyPr rtlCol="0" anchor="ctr"/>
+          <a:lstStyle/>
+          <a:p>
+            <a:pPr algn="ctr"/>
+            <a:r>
+              <a:rPr lang="en-US" sz="1600" dirty="0">
+                <a:solidFill>
+                  <a:schemeClr val="bg1"/>
+                </a:solidFill>
+              </a:rPr>
+              <a:t>:EditProjectCommand</a:t>
+            </a:r>
+          </a:p>
+          <a:p>
+            <a:pPr algn="ctr"/>
+            <a:r>
+              <a:rPr lang="en-US" sz="1600" dirty="0">
+                <a:solidFill>
+                  <a:schemeClr val="bg1"/>
+                </a:solidFill>
+              </a:rPr>
+              <a:t>Parser</a:t>
+            </a:r>
+            <a:endParaRPr lang="en-SG" sz="1600" dirty="0">
+              <a:solidFill>
+                <a:schemeClr val="bg1"/>
+              </a:solidFill>
+            </a:endParaRPr>
+          </a:p>
+        </p:txBody>
+      </p:sp>
+      <p:sp>
+        <p:nvSpPr>
+          <p:cNvPr id="64" name="Rectangle 63">
+            <a:extLst>
+              <a:ext uri="{FF2B5EF4-FFF2-40B4-BE49-F238E27FC236}">
+                <a16:creationId xmlns:a16="http://schemas.microsoft.com/office/drawing/2014/main" id="{59DEDEC5-BBBC-4C88-86BA-3B8F883E3DA2}"/>
+              </a:ext>
+            </a:extLst>
+          </p:cNvPr>
+          <p:cNvSpPr/>
+          <p:nvPr/>
+        </p:nvSpPr>
+        <p:spPr>
+          <a:xfrm>
+            <a:off x="13855991" y="5643740"/>
+            <a:ext cx="189071" cy="528457"/>
           </a:xfrm>
           <a:prstGeom prst="rect">
             <a:avLst/>
@@ -5774,10 +5755,10 @@
       </p:sp>
       <p:cxnSp>
         <p:nvCxnSpPr>
-          <p:cNvPr id="68" name="Curved Connector 12">
+          <p:cNvPr id="70" name="Straight Arrow Connector 69">
             <a:extLst>
               <a:ext uri="{FF2B5EF4-FFF2-40B4-BE49-F238E27FC236}">
-                <a16:creationId xmlns:a16="http://schemas.microsoft.com/office/drawing/2014/main" id="{0C3202E5-B96C-4D92-B4A0-022382BB0132}"/>
+                <a16:creationId xmlns:a16="http://schemas.microsoft.com/office/drawing/2014/main" id="{C1848A69-BE59-4CB3-A770-8198D1D6AB49}"/>
               </a:ext>
             </a:extLst>
           </p:cNvPr>
@@ -5787,21 +5768,368 @@
           <p:nvPr/>
         </p:nvCxnSpPr>
         <p:spPr>
-          <a:xfrm rot="16200000" flipH="1">
-            <a:off x="11756409" y="4449728"/>
-            <a:ext cx="156923" cy="76200"/>
-          </a:xfrm>
-          <a:prstGeom prst="curvedConnector4">
-            <a:avLst>
-              <a:gd name="adj1" fmla="val -165102"/>
-              <a:gd name="adj2" fmla="val 453333"/>
-            </a:avLst>
-          </a:prstGeom>
+          <a:xfrm flipV="1">
+            <a:off x="11256332" y="5639272"/>
+            <a:ext cx="2568472" cy="13886"/>
+          </a:xfrm>
+          <a:prstGeom prst="straightConnector1">
+            <a:avLst/>
+          </a:prstGeom>
+          <a:ln w="19050">
+            <a:solidFill>
+              <a:srgbClr val="0070C0"/>
+            </a:solidFill>
+            <a:tailEnd type="arrow"/>
+          </a:ln>
+        </p:spPr>
+        <p:style>
+          <a:lnRef idx="1">
+            <a:schemeClr val="accent1"/>
+          </a:lnRef>
+          <a:fillRef idx="0">
+            <a:schemeClr val="accent1"/>
+          </a:fillRef>
+          <a:effectRef idx="0">
+            <a:schemeClr val="accent1"/>
+          </a:effectRef>
+          <a:fontRef idx="minor">
+            <a:schemeClr val="tx1"/>
+          </a:fontRef>
+        </p:style>
+      </p:cxnSp>
+      <p:sp>
+        <p:nvSpPr>
+          <p:cNvPr id="71" name="TextBox 70">
+            <a:extLst>
+              <a:ext uri="{FF2B5EF4-FFF2-40B4-BE49-F238E27FC236}">
+                <a16:creationId xmlns:a16="http://schemas.microsoft.com/office/drawing/2014/main" id="{EC6AA20D-8657-41BB-8B96-15DFFC3E0CE0}"/>
+              </a:ext>
+            </a:extLst>
+          </p:cNvPr>
+          <p:cNvSpPr txBox="1"/>
+          <p:nvPr/>
+        </p:nvSpPr>
+        <p:spPr>
+          <a:xfrm>
+            <a:off x="11656193" y="5417403"/>
+            <a:ext cx="1843039" cy="184666"/>
+          </a:xfrm>
+          <a:prstGeom prst="rect">
+            <a:avLst/>
+          </a:prstGeom>
+          <a:noFill/>
+          <a:ln>
+            <a:noFill/>
+          </a:ln>
+        </p:spPr>
+        <p:txBody>
+          <a:bodyPr wrap="square" lIns="0" tIns="0" rIns="0" bIns="0" rtlCol="0">
+            <a:spAutoFit/>
+          </a:bodyPr>
+          <a:lstStyle>
+            <a:defPPr>
+              <a:defRPr lang="en-US"/>
+            </a:defPPr>
+            <a:lvl1pPr algn="r">
+              <a:defRPr sz="1400">
+                <a:solidFill>
+                  <a:srgbClr val="0070C0"/>
+                </a:solidFill>
+              </a:defRPr>
+            </a:lvl1pPr>
+          </a:lstStyle>
+          <a:p>
+            <a:pPr algn="ctr"/>
+            <a:r>
+              <a:rPr lang="en-US" sz="1200" dirty="0"/>
+              <a:t>userStoriesList.get(1)</a:t>
+            </a:r>
+          </a:p>
+        </p:txBody>
+      </p:sp>
+      <p:cxnSp>
+        <p:nvCxnSpPr>
+          <p:cNvPr id="72" name="Straight Arrow Connector 71">
+            <a:extLst>
+              <a:ext uri="{FF2B5EF4-FFF2-40B4-BE49-F238E27FC236}">
+                <a16:creationId xmlns:a16="http://schemas.microsoft.com/office/drawing/2014/main" id="{571DFCD6-6E14-4A28-887A-D44890BC1447}"/>
+              </a:ext>
+            </a:extLst>
+          </p:cNvPr>
+          <p:cNvCxnSpPr>
+            <a:cxnSpLocks/>
+          </p:cNvCxnSpPr>
+          <p:nvPr/>
+        </p:nvCxnSpPr>
+        <p:spPr>
+          <a:xfrm>
+            <a:off x="11210034" y="6172200"/>
+            <a:ext cx="2635825" cy="0"/>
+          </a:xfrm>
+          <a:prstGeom prst="straightConnector1">
+            <a:avLst/>
+          </a:prstGeom>
+          <a:ln w="19050">
+            <a:solidFill>
+              <a:srgbClr val="7030A0"/>
+            </a:solidFill>
+            <a:prstDash val="sysDash"/>
+            <a:headEnd type="arrow" w="med" len="med"/>
+            <a:tailEnd type="none" w="med" len="med"/>
+          </a:ln>
+        </p:spPr>
+        <p:style>
+          <a:lnRef idx="1">
+            <a:schemeClr val="accent1"/>
+          </a:lnRef>
+          <a:fillRef idx="0">
+            <a:schemeClr val="accent1"/>
+          </a:fillRef>
+          <a:effectRef idx="0">
+            <a:schemeClr val="accent1"/>
+          </a:effectRef>
+          <a:fontRef idx="minor">
+            <a:schemeClr val="tx1"/>
+          </a:fontRef>
+        </p:style>
+      </p:cxnSp>
+      <p:sp>
+        <p:nvSpPr>
+          <p:cNvPr id="73" name="TextBox 72">
+            <a:extLst>
+              <a:ext uri="{FF2B5EF4-FFF2-40B4-BE49-F238E27FC236}">
+                <a16:creationId xmlns:a16="http://schemas.microsoft.com/office/drawing/2014/main" id="{8448F64F-90D4-4B6C-BE40-0517AD1F27C6}"/>
+              </a:ext>
+            </a:extLst>
+          </p:cNvPr>
+          <p:cNvSpPr txBox="1"/>
+          <p:nvPr/>
+        </p:nvSpPr>
+        <p:spPr>
+          <a:xfrm>
+            <a:off x="11609343" y="5943944"/>
+            <a:ext cx="1748355" cy="184666"/>
+          </a:xfrm>
+          <a:prstGeom prst="rect">
+            <a:avLst/>
+          </a:prstGeom>
+          <a:noFill/>
+          <a:ln>
+            <a:noFill/>
+          </a:ln>
+        </p:spPr>
+        <p:txBody>
+          <a:bodyPr wrap="square" lIns="0" tIns="0" rIns="0" bIns="0" rtlCol="0">
+            <a:spAutoFit/>
+          </a:bodyPr>
+          <a:lstStyle>
+            <a:defPPr>
+              <a:defRPr lang="en-US"/>
+            </a:defPPr>
+            <a:lvl1pPr algn="r">
+              <a:defRPr sz="1400">
+                <a:solidFill>
+                  <a:srgbClr val="0070C0"/>
+                </a:solidFill>
+              </a:defRPr>
+            </a:lvl1pPr>
+          </a:lstStyle>
+          <a:p>
+            <a:pPr algn="ctr"/>
+            <a:r>
+              <a:rPr lang="en-US" sz="1200" dirty="0">
+                <a:solidFill>
+                  <a:srgbClr val="7030A0"/>
+                </a:solidFill>
+              </a:rPr>
+              <a:t>user story</a:t>
+            </a:r>
+            <a:endParaRPr lang="en-US" sz="1200" dirty="0">
+              <a:solidFill>
+                <a:schemeClr val="accent4">
+                  <a:lumMod val="75000"/>
+                </a:schemeClr>
+              </a:solidFill>
+            </a:endParaRPr>
+          </a:p>
+        </p:txBody>
+      </p:sp>
+      <p:sp>
+        <p:nvSpPr>
+          <p:cNvPr id="74" name="Rectangle 73">
+            <a:extLst>
+              <a:ext uri="{FF2B5EF4-FFF2-40B4-BE49-F238E27FC236}">
+                <a16:creationId xmlns:a16="http://schemas.microsoft.com/office/drawing/2014/main" id="{85C1CBF0-EC16-464B-9D7A-012F21705088}"/>
+              </a:ext>
+            </a:extLst>
+          </p:cNvPr>
+          <p:cNvSpPr/>
+          <p:nvPr/>
+        </p:nvSpPr>
+        <p:spPr>
+          <a:xfrm>
+            <a:off x="13855991" y="6679477"/>
+            <a:ext cx="189071" cy="528457"/>
+          </a:xfrm>
+          <a:prstGeom prst="rect">
+            <a:avLst/>
+          </a:prstGeom>
+          <a:solidFill>
+            <a:srgbClr val="7030A0"/>
+          </a:solidFill>
           <a:ln>
             <a:solidFill>
               <a:srgbClr val="7030A0"/>
             </a:solidFill>
-            <a:tailEnd type="triangle"/>
+          </a:ln>
+          <a:effectLst/>
+        </p:spPr>
+        <p:style>
+          <a:lnRef idx="1">
+            <a:schemeClr val="accent3"/>
+          </a:lnRef>
+          <a:fillRef idx="2">
+            <a:schemeClr val="accent3"/>
+          </a:fillRef>
+          <a:effectRef idx="1">
+            <a:schemeClr val="accent3"/>
+          </a:effectRef>
+          <a:fontRef idx="minor">
+            <a:schemeClr val="dk1"/>
+          </a:fontRef>
+        </p:style>
+        <p:txBody>
+          <a:bodyPr rtlCol="0" anchor="ctr"/>
+          <a:lstStyle/>
+          <a:p>
+            <a:pPr algn="ctr"/>
+            <a:endParaRPr lang="en-SG" sz="1400"/>
+          </a:p>
+        </p:txBody>
+      </p:sp>
+      <p:cxnSp>
+        <p:nvCxnSpPr>
+          <p:cNvPr id="75" name="Straight Arrow Connector 74">
+            <a:extLst>
+              <a:ext uri="{FF2B5EF4-FFF2-40B4-BE49-F238E27FC236}">
+                <a16:creationId xmlns:a16="http://schemas.microsoft.com/office/drawing/2014/main" id="{AC91645C-BB50-4B85-828A-64FE907C1F08}"/>
+              </a:ext>
+            </a:extLst>
+          </p:cNvPr>
+          <p:cNvCxnSpPr>
+            <a:cxnSpLocks/>
+          </p:cNvCxnSpPr>
+          <p:nvPr/>
+        </p:nvCxnSpPr>
+        <p:spPr>
+          <a:xfrm>
+            <a:off x="11256332" y="6688895"/>
+            <a:ext cx="2568472" cy="0"/>
+          </a:xfrm>
+          <a:prstGeom prst="straightConnector1">
+            <a:avLst/>
+          </a:prstGeom>
+          <a:ln w="19050">
+            <a:solidFill>
+              <a:srgbClr val="0070C0"/>
+            </a:solidFill>
+            <a:tailEnd type="arrow"/>
+          </a:ln>
+        </p:spPr>
+        <p:style>
+          <a:lnRef idx="1">
+            <a:schemeClr val="accent1"/>
+          </a:lnRef>
+          <a:fillRef idx="0">
+            <a:schemeClr val="accent1"/>
+          </a:fillRef>
+          <a:effectRef idx="0">
+            <a:schemeClr val="accent1"/>
+          </a:effectRef>
+          <a:fontRef idx="minor">
+            <a:schemeClr val="tx1"/>
+          </a:fontRef>
+        </p:style>
+      </p:cxnSp>
+      <p:sp>
+        <p:nvSpPr>
+          <p:cNvPr id="76" name="TextBox 75">
+            <a:extLst>
+              <a:ext uri="{FF2B5EF4-FFF2-40B4-BE49-F238E27FC236}">
+                <a16:creationId xmlns:a16="http://schemas.microsoft.com/office/drawing/2014/main" id="{FBAF0240-82D4-46DD-84AA-17ACCE28CB25}"/>
+              </a:ext>
+            </a:extLst>
+          </p:cNvPr>
+          <p:cNvSpPr txBox="1"/>
+          <p:nvPr/>
+        </p:nvSpPr>
+        <p:spPr>
+          <a:xfrm>
+            <a:off x="11602657" y="6312213"/>
+            <a:ext cx="1843039" cy="369332"/>
+          </a:xfrm>
+          <a:prstGeom prst="rect">
+            <a:avLst/>
+          </a:prstGeom>
+          <a:noFill/>
+          <a:ln>
+            <a:noFill/>
+          </a:ln>
+        </p:spPr>
+        <p:txBody>
+          <a:bodyPr wrap="square" lIns="0" tIns="0" rIns="0" bIns="0" rtlCol="0">
+            <a:spAutoFit/>
+          </a:bodyPr>
+          <a:lstStyle>
+            <a:defPPr>
+              <a:defRPr lang="en-US"/>
+            </a:defPPr>
+            <a:lvl1pPr algn="r">
+              <a:defRPr sz="1400">
+                <a:solidFill>
+                  <a:srgbClr val="0070C0"/>
+                </a:solidFill>
+              </a:defRPr>
+            </a:lvl1pPr>
+          </a:lstStyle>
+          <a:p>
+            <a:pPr algn="ctr"/>
+            <a:r>
+              <a:rPr lang="en-US" sz="1200" dirty="0"/>
+              <a:t>setUserStory(storyToEdit, newStory)</a:t>
+            </a:r>
+          </a:p>
+        </p:txBody>
+      </p:sp>
+      <p:cxnSp>
+        <p:nvCxnSpPr>
+          <p:cNvPr id="77" name="Straight Arrow Connector 76">
+            <a:extLst>
+              <a:ext uri="{FF2B5EF4-FFF2-40B4-BE49-F238E27FC236}">
+                <a16:creationId xmlns:a16="http://schemas.microsoft.com/office/drawing/2014/main" id="{8060DF23-F073-48F9-BE6C-2E812B90D0F0}"/>
+              </a:ext>
+            </a:extLst>
+          </p:cNvPr>
+          <p:cNvCxnSpPr>
+            <a:cxnSpLocks/>
+          </p:cNvCxnSpPr>
+          <p:nvPr/>
+        </p:nvCxnSpPr>
+        <p:spPr>
+          <a:xfrm>
+            <a:off x="11210034" y="7207937"/>
+            <a:ext cx="2635825" cy="0"/>
+          </a:xfrm>
+          <a:prstGeom prst="straightConnector1">
+            <a:avLst/>
+          </a:prstGeom>
+          <a:ln w="19050">
+            <a:solidFill>
+              <a:srgbClr val="7030A0"/>
+            </a:solidFill>
+            <a:prstDash val="sysDash"/>
+            <a:headEnd type="arrow" w="med" len="med"/>
+            <a:tailEnd type="none" w="med" len="med"/>
           </a:ln>
         </p:spPr>
         <p:style>
@@ -5821,10 +6149,104 @@
       </p:cxnSp>
       <p:cxnSp>
         <p:nvCxnSpPr>
-          <p:cNvPr id="84" name="Straight Connector 83">
+          <p:cNvPr id="85" name="Straight Arrow Connector 84">
             <a:extLst>
               <a:ext uri="{FF2B5EF4-FFF2-40B4-BE49-F238E27FC236}">
-                <a16:creationId xmlns:a16="http://schemas.microsoft.com/office/drawing/2014/main" id="{B2F34769-006E-42EB-85D4-B8FBBD28A2F8}"/>
+                <a16:creationId xmlns:a16="http://schemas.microsoft.com/office/drawing/2014/main" id="{3264D692-76E1-4559-ABD5-0166BB0B5B3C}"/>
+              </a:ext>
+            </a:extLst>
+          </p:cNvPr>
+          <p:cNvCxnSpPr>
+            <a:cxnSpLocks/>
+            <a:endCxn id="45" idx="2"/>
+          </p:cNvCxnSpPr>
+          <p:nvPr/>
+        </p:nvCxnSpPr>
+        <p:spPr>
+          <a:xfrm>
+            <a:off x="4144771" y="1800420"/>
+            <a:ext cx="2562280" cy="0"/>
+          </a:xfrm>
+          <a:prstGeom prst="straightConnector1">
+            <a:avLst/>
+          </a:prstGeom>
+          <a:ln w="19050">
+            <a:solidFill>
+              <a:srgbClr val="0070C0"/>
+            </a:solidFill>
+            <a:prstDash val="sysDash"/>
+            <a:headEnd type="arrow" w="med" len="med"/>
+            <a:tailEnd type="none" w="med" len="med"/>
+          </a:ln>
+        </p:spPr>
+        <p:style>
+          <a:lnRef idx="1">
+            <a:schemeClr val="accent1"/>
+          </a:lnRef>
+          <a:fillRef idx="0">
+            <a:schemeClr val="accent1"/>
+          </a:fillRef>
+          <a:effectRef idx="0">
+            <a:schemeClr val="accent1"/>
+          </a:effectRef>
+          <a:fontRef idx="minor">
+            <a:schemeClr val="tx1"/>
+          </a:fontRef>
+        </p:style>
+      </p:cxnSp>
+      <p:sp>
+        <p:nvSpPr>
+          <p:cNvPr id="88" name="TextBox 87">
+            <a:extLst>
+              <a:ext uri="{FF2B5EF4-FFF2-40B4-BE49-F238E27FC236}">
+                <a16:creationId xmlns:a16="http://schemas.microsoft.com/office/drawing/2014/main" id="{4BF2E778-CEFC-4531-AAC9-EDF4C57FFC51}"/>
+              </a:ext>
+            </a:extLst>
+          </p:cNvPr>
+          <p:cNvSpPr txBox="1"/>
+          <p:nvPr/>
+        </p:nvSpPr>
+        <p:spPr>
+          <a:xfrm>
+            <a:off x="4167595" y="1856819"/>
+            <a:ext cx="2278661" cy="646331"/>
+          </a:xfrm>
+          <a:prstGeom prst="rect">
+            <a:avLst/>
+          </a:prstGeom>
+          <a:noFill/>
+        </p:spPr>
+        <p:txBody>
+          <a:bodyPr wrap="square" lIns="0" tIns="0" rIns="0" bIns="0" rtlCol="0">
+            <a:spAutoFit/>
+          </a:bodyPr>
+          <a:lstStyle>
+            <a:defPPr>
+              <a:defRPr lang="en-US"/>
+            </a:defPPr>
+            <a:lvl1pPr algn="r">
+              <a:defRPr sz="1400">
+                <a:solidFill>
+                  <a:srgbClr val="0070C0"/>
+                </a:solidFill>
+              </a:defRPr>
+            </a:lvl1pPr>
+          </a:lstStyle>
+          <a:p>
+            <a:pPr algn="ctr"/>
+            <a:r>
+              <a:rPr lang="en-US" dirty="0"/>
+              <a:t>parse (“project Apollo userstory 1 as a user I want to login”)</a:t>
+            </a:r>
+          </a:p>
+        </p:txBody>
+      </p:sp>
+      <p:cxnSp>
+        <p:nvCxnSpPr>
+          <p:cNvPr id="89" name="Straight Arrow Connector 88">
+            <a:extLst>
+              <a:ext uri="{FF2B5EF4-FFF2-40B4-BE49-F238E27FC236}">
+                <a16:creationId xmlns:a16="http://schemas.microsoft.com/office/drawing/2014/main" id="{16EF742F-0A6A-4822-8D94-A487CDA47C3B}"/>
               </a:ext>
             </a:extLst>
           </p:cNvPr>
@@ -5835,10 +6257,54 @@
         </p:nvCxnSpPr>
         <p:spPr>
           <a:xfrm>
-            <a:off x="7539422" y="1649109"/>
-            <a:ext cx="0" cy="3768710"/>
-          </a:xfrm>
-          <a:prstGeom prst="line">
+            <a:off x="4144454" y="2272289"/>
+            <a:ext cx="2468730" cy="5478"/>
+          </a:xfrm>
+          <a:prstGeom prst="straightConnector1">
+            <a:avLst/>
+          </a:prstGeom>
+          <a:ln w="19050">
+            <a:solidFill>
+              <a:srgbClr val="0070C0"/>
+            </a:solidFill>
+            <a:tailEnd type="arrow"/>
+          </a:ln>
+        </p:spPr>
+        <p:style>
+          <a:lnRef idx="1">
+            <a:schemeClr val="accent1"/>
+          </a:lnRef>
+          <a:fillRef idx="0">
+            <a:schemeClr val="accent1"/>
+          </a:fillRef>
+          <a:effectRef idx="0">
+            <a:schemeClr val="accent1"/>
+          </a:effectRef>
+          <a:fontRef idx="minor">
+            <a:schemeClr val="tx1"/>
+          </a:fontRef>
+        </p:style>
+      </p:cxnSp>
+      <p:cxnSp>
+        <p:nvCxnSpPr>
+          <p:cNvPr id="95" name="Straight Arrow Connector 94">
+            <a:extLst>
+              <a:ext uri="{FF2B5EF4-FFF2-40B4-BE49-F238E27FC236}">
+                <a16:creationId xmlns:a16="http://schemas.microsoft.com/office/drawing/2014/main" id="{987A1906-70D5-4FD8-B415-E544B2180E15}"/>
+              </a:ext>
+            </a:extLst>
+          </p:cNvPr>
+          <p:cNvCxnSpPr>
+            <a:cxnSpLocks/>
+          </p:cNvCxnSpPr>
+          <p:nvPr/>
+        </p:nvCxnSpPr>
+        <p:spPr>
+          <a:xfrm flipV="1">
+            <a:off x="6783251" y="2634580"/>
+            <a:ext cx="2193761" cy="4162"/>
+          </a:xfrm>
+          <a:prstGeom prst="straightConnector1">
             <a:avLst/>
           </a:prstGeom>
           <a:ln w="19050">
@@ -5846,97 +6312,113 @@
               <a:srgbClr val="0070C0"/>
             </a:solidFill>
             <a:prstDash val="sysDash"/>
+            <a:headEnd type="arrow" w="med" len="med"/>
+            <a:tailEnd type="none" w="med" len="med"/>
           </a:ln>
-          <a:effectLst/>
         </p:spPr>
         <p:style>
           <a:lnRef idx="1">
             <a:schemeClr val="accent1"/>
           </a:lnRef>
-          <a:fillRef idx="2">
+          <a:fillRef idx="0">
             <a:schemeClr val="accent1"/>
           </a:fillRef>
-          <a:effectRef idx="1">
+          <a:effectRef idx="0">
             <a:schemeClr val="accent1"/>
           </a:effectRef>
           <a:fontRef idx="minor">
-            <a:schemeClr val="dk1"/>
+            <a:schemeClr val="tx1"/>
           </a:fontRef>
         </p:style>
       </p:cxnSp>
-      <p:sp>
-        <p:nvSpPr>
-          <p:cNvPr id="54" name="Rectangle 62">
+      <p:cxnSp>
+        <p:nvCxnSpPr>
+          <p:cNvPr id="97" name="Straight Arrow Connector 96">
             <a:extLst>
               <a:ext uri="{FF2B5EF4-FFF2-40B4-BE49-F238E27FC236}">
-                <a16:creationId xmlns:a16="http://schemas.microsoft.com/office/drawing/2014/main" id="{D2E54CC4-1A1C-4F7B-9410-78A436674CD2}"/>
+                <a16:creationId xmlns:a16="http://schemas.microsoft.com/office/drawing/2014/main" id="{5B035525-1A02-4475-8954-C20141476E15}"/>
               </a:ext>
             </a:extLst>
           </p:cNvPr>
-          <p:cNvSpPr/>
+          <p:cNvCxnSpPr>
+            <a:cxnSpLocks/>
+          </p:cNvCxnSpPr>
           <p:nvPr/>
-        </p:nvSpPr>
-        <p:spPr>
-          <a:xfrm>
-            <a:off x="6934200" y="1358323"/>
-            <a:ext cx="1160571" cy="675353"/>
-          </a:xfrm>
-          <a:prstGeom prst="rect">
+        </p:nvCxnSpPr>
+        <p:spPr>
+          <a:xfrm flipV="1">
+            <a:off x="6707301" y="2993726"/>
+            <a:ext cx="2294298" cy="14110"/>
+          </a:xfrm>
+          <a:prstGeom prst="straightConnector1">
             <a:avLst/>
           </a:prstGeom>
-          <a:solidFill>
-            <a:srgbClr val="0070C0"/>
-          </a:solidFill>
           <a:ln w="19050">
             <a:solidFill>
               <a:srgbClr val="0070C0"/>
             </a:solidFill>
+            <a:tailEnd type="arrow"/>
           </a:ln>
-          <a:effectLst/>
         </p:spPr>
         <p:style>
           <a:lnRef idx="1">
-            <a:schemeClr val="accent2"/>
+            <a:schemeClr val="accent1"/>
           </a:lnRef>
-          <a:fillRef idx="2">
-            <a:schemeClr val="accent2"/>
+          <a:fillRef idx="0">
+            <a:schemeClr val="accent1"/>
           </a:fillRef>
-          <a:effectRef idx="1">
-            <a:schemeClr val="accent2"/>
+          <a:effectRef idx="0">
+            <a:schemeClr val="accent1"/>
           </a:effectRef>
           <a:fontRef idx="minor">
-            <a:schemeClr val="dk1"/>
+            <a:schemeClr val="tx1"/>
           </a:fontRef>
         </p:style>
-        <p:txBody>
-          <a:bodyPr rtlCol="0" anchor="ctr"/>
-          <a:lstStyle/>
+      </p:cxnSp>
+      <p:sp>
+        <p:nvSpPr>
+          <p:cNvPr id="101" name="TextBox 100">
+            <a:extLst>
+              <a:ext uri="{FF2B5EF4-FFF2-40B4-BE49-F238E27FC236}">
+                <a16:creationId xmlns:a16="http://schemas.microsoft.com/office/drawing/2014/main" id="{BBC9D5A6-29C7-45CD-947B-B244A8C75E82}"/>
+              </a:ext>
+            </a:extLst>
+          </p:cNvPr>
+          <p:cNvSpPr txBox="1"/>
+          <p:nvPr/>
+        </p:nvSpPr>
+        <p:spPr>
+          <a:xfrm>
+            <a:off x="6756658" y="2757070"/>
+            <a:ext cx="2278661" cy="430887"/>
+          </a:xfrm>
+          <a:prstGeom prst="rect">
+            <a:avLst/>
+          </a:prstGeom>
+          <a:noFill/>
+        </p:spPr>
+        <p:txBody>
+          <a:bodyPr wrap="square" lIns="0" tIns="0" rIns="0" bIns="0" rtlCol="0">
+            <a:spAutoFit/>
+          </a:bodyPr>
+          <a:lstStyle>
+            <a:defPPr>
+              <a:defRPr lang="en-US"/>
+            </a:defPPr>
+            <a:lvl1pPr algn="r">
+              <a:defRPr sz="1400">
+                <a:solidFill>
+                  <a:srgbClr val="0070C0"/>
+                </a:solidFill>
+              </a:defRPr>
+            </a:lvl1pPr>
+          </a:lstStyle>
           <a:p>
             <a:pPr algn="ctr"/>
             <a:r>
-              <a:rPr lang="en-US" sz="1600" dirty="0">
-                <a:solidFill>
-                  <a:schemeClr val="bg1"/>
-                </a:solidFill>
-              </a:rPr>
-              <a:t>:EditProjectCommand</a:t>
-            </a:r>
-          </a:p>
-          <a:p>
-            <a:pPr algn="ctr"/>
-            <a:r>
-              <a:rPr lang="en-US" sz="1600" dirty="0">
-                <a:solidFill>
-                  <a:schemeClr val="bg1"/>
-                </a:solidFill>
-              </a:rPr>
-              <a:t>Parser</a:t>
-            </a:r>
-            <a:endParaRPr lang="en-SG" sz="1600" dirty="0">
-              <a:solidFill>
-                <a:schemeClr val="bg1"/>
-              </a:solidFill>
-            </a:endParaRPr>
+              <a:rPr lang="en-US" dirty="0"/>
+              <a:t>parse (“userstory 1 as a user I want to login”)</a:t>
+            </a:r>
           </a:p>
         </p:txBody>
       </p:sp>
